--- a/ppt/012 - CNN architectures.pptx
+++ b/ppt/012 - CNN architectures.pptx
@@ -242,7 +242,7 @@
           <a:p>
             <a:fld id="{A384762E-7D59-4718-871F-5C52EE17424E}" type="datetimeFigureOut">
               <a:rPr lang="es-PE" smtClean="0"/>
-              <a:t>28/12/2023</a:t>
+              <a:t>22/01/2024</a:t>
             </a:fld>
             <a:endParaRPr lang="es-PE"/>
           </a:p>
@@ -1563,7 +1563,7 @@
           <a:p>
             <a:fld id="{205D122A-E641-419B-B0F8-9F7FE24D390E}" type="datetimeFigureOut">
               <a:rPr lang="es-PE" smtClean="0"/>
-              <a:t>28/12/2023</a:t>
+              <a:t>22/01/2024</a:t>
             </a:fld>
             <a:endParaRPr lang="es-PE"/>
           </a:p>
@@ -1763,7 +1763,7 @@
           <a:p>
             <a:fld id="{205D122A-E641-419B-B0F8-9F7FE24D390E}" type="datetimeFigureOut">
               <a:rPr lang="es-PE" smtClean="0"/>
-              <a:t>28/12/2023</a:t>
+              <a:t>22/01/2024</a:t>
             </a:fld>
             <a:endParaRPr lang="es-PE"/>
           </a:p>
@@ -1973,7 +1973,7 @@
           <a:p>
             <a:fld id="{205D122A-E641-419B-B0F8-9F7FE24D390E}" type="datetimeFigureOut">
               <a:rPr lang="es-PE" smtClean="0"/>
-              <a:t>28/12/2023</a:t>
+              <a:t>22/01/2024</a:t>
             </a:fld>
             <a:endParaRPr lang="es-PE"/>
           </a:p>
@@ -2203,7 +2203,7 @@
           <a:p>
             <a:fld id="{205D122A-E641-419B-B0F8-9F7FE24D390E}" type="datetimeFigureOut">
               <a:rPr lang="es-PE" smtClean="0"/>
-              <a:t>28/12/2023</a:t>
+              <a:t>22/01/2024</a:t>
             </a:fld>
             <a:endParaRPr lang="es-PE"/>
           </a:p>
@@ -2479,7 +2479,7 @@
           <a:p>
             <a:fld id="{205D122A-E641-419B-B0F8-9F7FE24D390E}" type="datetimeFigureOut">
               <a:rPr lang="es-PE" smtClean="0"/>
-              <a:t>28/12/2023</a:t>
+              <a:t>22/01/2024</a:t>
             </a:fld>
             <a:endParaRPr lang="es-PE"/>
           </a:p>
@@ -2747,7 +2747,7 @@
           <a:p>
             <a:fld id="{205D122A-E641-419B-B0F8-9F7FE24D390E}" type="datetimeFigureOut">
               <a:rPr lang="es-PE" smtClean="0"/>
-              <a:t>28/12/2023</a:t>
+              <a:t>22/01/2024</a:t>
             </a:fld>
             <a:endParaRPr lang="es-PE"/>
           </a:p>
@@ -3162,7 +3162,7 @@
           <a:p>
             <a:fld id="{205D122A-E641-419B-B0F8-9F7FE24D390E}" type="datetimeFigureOut">
               <a:rPr lang="es-PE" smtClean="0"/>
-              <a:t>28/12/2023</a:t>
+              <a:t>22/01/2024</a:t>
             </a:fld>
             <a:endParaRPr lang="es-PE"/>
           </a:p>
@@ -3304,7 +3304,7 @@
           <a:p>
             <a:fld id="{205D122A-E641-419B-B0F8-9F7FE24D390E}" type="datetimeFigureOut">
               <a:rPr lang="es-PE" smtClean="0"/>
-              <a:t>28/12/2023</a:t>
+              <a:t>22/01/2024</a:t>
             </a:fld>
             <a:endParaRPr lang="es-PE"/>
           </a:p>
@@ -3417,7 +3417,7 @@
           <a:p>
             <a:fld id="{205D122A-E641-419B-B0F8-9F7FE24D390E}" type="datetimeFigureOut">
               <a:rPr lang="es-PE" smtClean="0"/>
-              <a:t>28/12/2023</a:t>
+              <a:t>22/01/2024</a:t>
             </a:fld>
             <a:endParaRPr lang="es-PE"/>
           </a:p>
@@ -3730,7 +3730,7 @@
           <a:p>
             <a:fld id="{205D122A-E641-419B-B0F8-9F7FE24D390E}" type="datetimeFigureOut">
               <a:rPr lang="es-PE" smtClean="0"/>
-              <a:t>28/12/2023</a:t>
+              <a:t>22/01/2024</a:t>
             </a:fld>
             <a:endParaRPr lang="es-PE"/>
           </a:p>
@@ -4019,7 +4019,7 @@
           <a:p>
             <a:fld id="{205D122A-E641-419B-B0F8-9F7FE24D390E}" type="datetimeFigureOut">
               <a:rPr lang="es-PE" smtClean="0"/>
-              <a:t>28/12/2023</a:t>
+              <a:t>22/01/2024</a:t>
             </a:fld>
             <a:endParaRPr lang="es-PE"/>
           </a:p>
@@ -4262,7 +4262,7 @@
           <a:p>
             <a:fld id="{205D122A-E641-419B-B0F8-9F7FE24D390E}" type="datetimeFigureOut">
               <a:rPr lang="es-PE" smtClean="0"/>
-              <a:t>28/12/2023</a:t>
+              <a:t>22/01/2024</a:t>
             </a:fld>
             <a:endParaRPr lang="es-PE"/>
           </a:p>
@@ -6596,7 +6596,7 @@
         <p:spPr>
           <a:xfrm>
             <a:off x="524926" y="1588957"/>
-            <a:ext cx="11057473" cy="1477328"/>
+            <a:ext cx="11057473" cy="2031325"/>
           </a:xfrm>
           <a:prstGeom prst="rect">
             <a:avLst/>
@@ -6645,6 +6645,26 @@
               </a:rPr>
               <a:t>https://uvadlc-notebooks.readthedocs.io/en/latest/tutorial_notebooks/tutorial5/Inception_ResNet_DenseNet.html</a:t>
             </a:r>
+            <a:endParaRPr lang="en-US" dirty="0"/>
+          </a:p>
+          <a:p>
+            <a:pPr marL="0" indent="0">
+              <a:buFont typeface="Arial" panose="020B0604020202020204" pitchFamily="34" charset="0"/>
+              <a:buNone/>
+            </a:pPr>
+            <a:r>
+              <a:rPr lang="en-US" dirty="0">
+                <a:hlinkClick r:id="rId6"/>
+              </a:rPr>
+              <a:t>https://www.jeremyjordan.me/convnet-architectures/</a:t>
+            </a:r>
+            <a:endParaRPr lang="en-US" dirty="0"/>
+          </a:p>
+          <a:p>
+            <a:pPr marL="0" indent="0">
+              <a:buFont typeface="Arial" panose="020B0604020202020204" pitchFamily="34" charset="0"/>
+              <a:buNone/>
+            </a:pPr>
             <a:endParaRPr lang="en-US" dirty="0"/>
           </a:p>
           <a:p>
